--- a/공통/이력서.pptx
+++ b/공통/이력서.pptx
@@ -104,6 +104,11 @@
       </a:defRPr>
     </a:lvl9pPr>
   </p:defaultTextStyle>
+  <p:extLst>
+    <p:ext uri="{EFAFB233-063F-42B5-8137-9DF3F51BA10A}">
+      <p15:sldGuideLst xmlns:p15="http://schemas.microsoft.com/office/powerpoint/2012/main"/>
+    </p:ext>
+  </p:extLst>
 </p:presentation>
 </file>
 
@@ -238,7 +243,7 @@
           <a:p>
             <a:fld id="{57B62E1B-2297-41D1-904E-B309ACC524C2}" type="datetimeFigureOut">
               <a:rPr lang="ko-KR" altLang="en-US" smtClean="0"/>
-              <a:t>2024-06-15</a:t>
+              <a:t>2024-06-21</a:t>
             </a:fld>
             <a:endParaRPr lang="ko-KR" altLang="en-US"/>
           </a:p>
@@ -408,7 +413,7 @@
           <a:p>
             <a:fld id="{57B62E1B-2297-41D1-904E-B309ACC524C2}" type="datetimeFigureOut">
               <a:rPr lang="ko-KR" altLang="en-US" smtClean="0"/>
-              <a:t>2024-06-15</a:t>
+              <a:t>2024-06-21</a:t>
             </a:fld>
             <a:endParaRPr lang="ko-KR" altLang="en-US"/>
           </a:p>
@@ -588,7 +593,7 @@
           <a:p>
             <a:fld id="{57B62E1B-2297-41D1-904E-B309ACC524C2}" type="datetimeFigureOut">
               <a:rPr lang="ko-KR" altLang="en-US" smtClean="0"/>
-              <a:t>2024-06-15</a:t>
+              <a:t>2024-06-21</a:t>
             </a:fld>
             <a:endParaRPr lang="ko-KR" altLang="en-US"/>
           </a:p>
@@ -758,7 +763,7 @@
           <a:p>
             <a:fld id="{57B62E1B-2297-41D1-904E-B309ACC524C2}" type="datetimeFigureOut">
               <a:rPr lang="ko-KR" altLang="en-US" smtClean="0"/>
-              <a:t>2024-06-15</a:t>
+              <a:t>2024-06-21</a:t>
             </a:fld>
             <a:endParaRPr lang="ko-KR" altLang="en-US"/>
           </a:p>
@@ -1002,7 +1007,7 @@
           <a:p>
             <a:fld id="{57B62E1B-2297-41D1-904E-B309ACC524C2}" type="datetimeFigureOut">
               <a:rPr lang="ko-KR" altLang="en-US" smtClean="0"/>
-              <a:t>2024-06-15</a:t>
+              <a:t>2024-06-21</a:t>
             </a:fld>
             <a:endParaRPr lang="ko-KR" altLang="en-US"/>
           </a:p>
@@ -1234,7 +1239,7 @@
           <a:p>
             <a:fld id="{57B62E1B-2297-41D1-904E-B309ACC524C2}" type="datetimeFigureOut">
               <a:rPr lang="ko-KR" altLang="en-US" smtClean="0"/>
-              <a:t>2024-06-15</a:t>
+              <a:t>2024-06-21</a:t>
             </a:fld>
             <a:endParaRPr lang="ko-KR" altLang="en-US"/>
           </a:p>
@@ -1601,7 +1606,7 @@
           <a:p>
             <a:fld id="{57B62E1B-2297-41D1-904E-B309ACC524C2}" type="datetimeFigureOut">
               <a:rPr lang="ko-KR" altLang="en-US" smtClean="0"/>
-              <a:t>2024-06-15</a:t>
+              <a:t>2024-06-21</a:t>
             </a:fld>
             <a:endParaRPr lang="ko-KR" altLang="en-US"/>
           </a:p>
@@ -1719,7 +1724,7 @@
           <a:p>
             <a:fld id="{57B62E1B-2297-41D1-904E-B309ACC524C2}" type="datetimeFigureOut">
               <a:rPr lang="ko-KR" altLang="en-US" smtClean="0"/>
-              <a:t>2024-06-15</a:t>
+              <a:t>2024-06-21</a:t>
             </a:fld>
             <a:endParaRPr lang="ko-KR" altLang="en-US"/>
           </a:p>
@@ -1814,7 +1819,7 @@
           <a:p>
             <a:fld id="{57B62E1B-2297-41D1-904E-B309ACC524C2}" type="datetimeFigureOut">
               <a:rPr lang="ko-KR" altLang="en-US" smtClean="0"/>
-              <a:t>2024-06-15</a:t>
+              <a:t>2024-06-21</a:t>
             </a:fld>
             <a:endParaRPr lang="ko-KR" altLang="en-US"/>
           </a:p>
@@ -2091,7 +2096,7 @@
           <a:p>
             <a:fld id="{57B62E1B-2297-41D1-904E-B309ACC524C2}" type="datetimeFigureOut">
               <a:rPr lang="ko-KR" altLang="en-US" smtClean="0"/>
-              <a:t>2024-06-15</a:t>
+              <a:t>2024-06-21</a:t>
             </a:fld>
             <a:endParaRPr lang="ko-KR" altLang="en-US"/>
           </a:p>
@@ -2348,7 +2353,7 @@
           <a:p>
             <a:fld id="{57B62E1B-2297-41D1-904E-B309ACC524C2}" type="datetimeFigureOut">
               <a:rPr lang="ko-KR" altLang="en-US" smtClean="0"/>
-              <a:t>2024-06-15</a:t>
+              <a:t>2024-06-21</a:t>
             </a:fld>
             <a:endParaRPr lang="ko-KR" altLang="en-US"/>
           </a:p>
@@ -2561,7 +2566,7 @@
           <a:p>
             <a:fld id="{57B62E1B-2297-41D1-904E-B309ACC524C2}" type="datetimeFigureOut">
               <a:rPr lang="ko-KR" altLang="en-US" smtClean="0"/>
-              <a:t>2024-06-15</a:t>
+              <a:t>2024-06-21</a:t>
             </a:fld>
             <a:endParaRPr lang="ko-KR" altLang="en-US"/>
           </a:p>
@@ -4721,6 +4726,42 @@
           </a:fontRef>
         </p:style>
       </p:cxnSp>
+      <p:pic>
+        <p:nvPicPr>
+          <p:cNvPr id="3" name="그림 2">
+            <a:extLst>
+              <a:ext uri="{FF2B5EF4-FFF2-40B4-BE49-F238E27FC236}">
+                <a16:creationId xmlns:a16="http://schemas.microsoft.com/office/drawing/2014/main" id="{CB50AB90-13B8-44C6-8187-886BB80DE24A}"/>
+              </a:ext>
+            </a:extLst>
+          </p:cNvPr>
+          <p:cNvPicPr>
+            <a:picLocks noChangeAspect="1"/>
+          </p:cNvPicPr>
+          <p:nvPr/>
+        </p:nvPicPr>
+        <p:blipFill>
+          <a:blip r:embed="rId2">
+            <a:extLst>
+              <a:ext uri="{28A0092B-C50C-407E-A947-70E740481C1C}">
+                <a14:useLocalDpi xmlns:a14="http://schemas.microsoft.com/office/drawing/2010/main" val="0"/>
+              </a:ext>
+            </a:extLst>
+          </a:blip>
+          <a:stretch>
+            <a:fillRect/>
+          </a:stretch>
+        </p:blipFill>
+        <p:spPr>
+          <a:xfrm>
+            <a:off x="5315713" y="577390"/>
+            <a:ext cx="865632" cy="1119639"/>
+          </a:xfrm>
+          <a:prstGeom prst="rect">
+            <a:avLst/>
+          </a:prstGeom>
+        </p:spPr>
+      </p:pic>
     </p:spTree>
     <p:extLst>
       <p:ext uri="{BB962C8B-B14F-4D97-AF65-F5344CB8AC3E}">
